--- a/slides/Online/2020/09 - String Manipulation.pptx
+++ b/slides/Online/2020/09 - String Manipulation.pptx
@@ -221,7 +221,7 @@
           <a:p>
             <a:fld id="{4D7E51A5-B478-1E40-8CBB-0DAA8831E99D}" type="datetimeFigureOut">
               <a:rPr lang="en-US" smtClean="0"/>
-              <a:t>3/15/20</a:t>
+              <a:t>4/10/20</a:t>
             </a:fld>
             <a:endParaRPr lang="en-US"/>
           </a:p>
@@ -386,7 +386,7 @@
           <a:p>
             <a:fld id="{D0ED587F-861E-6740-9643-E3DDAE89B8D6}" type="datetimeFigureOut">
               <a:rPr lang="en-US" smtClean="0"/>
-              <a:t>3/15/20</a:t>
+              <a:t>4/10/20</a:t>
             </a:fld>
             <a:endParaRPr lang="en-US"/>
           </a:p>
@@ -4279,8 +4279,8 @@
         </p:blipFill>
         <p:spPr>
           <a:xfrm>
-            <a:off x="9827882" y="6733969"/>
-            <a:ext cx="3520440" cy="787424"/>
+            <a:off x="10549054" y="6826614"/>
+            <a:ext cx="2977688" cy="666026"/>
           </a:xfrm>
           <a:prstGeom prst="rect">
             <a:avLst/>
@@ -4301,7 +4301,7 @@
         </p:nvSpPr>
         <p:spPr>
           <a:xfrm>
-            <a:off x="10549054" y="7264322"/>
+            <a:off x="11028869" y="7223424"/>
             <a:ext cx="2497873" cy="276999"/>
           </a:xfrm>
           <a:prstGeom prst="rect">
@@ -4340,8 +4340,8 @@
         </p:nvSpPr>
         <p:spPr>
           <a:xfrm>
-            <a:off x="9287446" y="7508206"/>
-            <a:ext cx="4601311" cy="246221"/>
+            <a:off x="10281424" y="7500423"/>
+            <a:ext cx="3919567" cy="223227"/>
           </a:xfrm>
           <a:prstGeom prst="rect">
             <a:avLst/>
@@ -4362,7 +4362,7 @@
               </a:spcAft>
             </a:pPr>
             <a:r>
-              <a:rPr lang="en-US" sz="1000" b="0" i="0" u="none" strike="noStrike" dirty="0">
+              <a:rPr lang="en-US" sz="800" b="0" i="0" u="none" strike="noStrike" dirty="0">
                 <a:solidFill>
                   <a:srgbClr val="7F7F7F"/>
                 </a:solidFill>
@@ -4372,7 +4372,7 @@
               <a:t>Slides Originally Created by Albert Lionelle (</a:t>
             </a:r>
             <a:r>
-              <a:rPr lang="en-US" sz="1000" b="0" i="0" u="none" strike="noStrike" dirty="0" err="1">
+              <a:rPr lang="en-US" sz="800" b="0" i="0" u="none" strike="noStrike" dirty="0" err="1">
                 <a:solidFill>
                   <a:srgbClr val="7F7F7F"/>
                 </a:solidFill>
@@ -4382,7 +4382,7 @@
               <a:t>Albert.Lionelle@colostate.edu</a:t>
             </a:r>
             <a:r>
-              <a:rPr lang="en-US" sz="1000" b="0" i="0" u="none" strike="noStrike" dirty="0">
+              <a:rPr lang="en-US" sz="800" b="0" i="0" u="none" strike="noStrike" dirty="0">
                 <a:solidFill>
                   <a:srgbClr val="7F7F7F"/>
                 </a:solidFill>
@@ -4391,7 +4391,7 @@
               </a:rPr>
               <a:t>)</a:t>
             </a:r>
-            <a:endParaRPr lang="en-US" sz="1000" b="0" dirty="0">
+            <a:endParaRPr lang="en-US" sz="800" b="0" dirty="0">
               <a:solidFill>
                 <a:srgbClr val="7F7F7F"/>
               </a:solidFill>
@@ -6773,7 +6773,7 @@
         </p:nvSpPr>
         <p:spPr>
           <a:xfrm>
-            <a:off x="628075" y="1776683"/>
+            <a:off x="628075" y="1607349"/>
             <a:ext cx="7918517" cy="5291962"/>
           </a:xfrm>
         </p:spPr>
@@ -6959,7 +6959,7 @@
         </p:nvSpPr>
         <p:spPr>
           <a:xfrm>
-            <a:off x="8985504" y="2331928"/>
+            <a:off x="8929060" y="1463722"/>
             <a:ext cx="4608576" cy="3108543"/>
           </a:xfrm>
           <a:prstGeom prst="rect">
@@ -7317,13 +7317,15 @@
         </p:nvSpPr>
         <p:spPr>
           <a:xfrm>
-            <a:off x="10131553" y="5561218"/>
-            <a:ext cx="2609088" cy="1477328"/>
+            <a:off x="9928804" y="4572265"/>
+            <a:ext cx="2609088" cy="646331"/>
           </a:xfrm>
           <a:prstGeom prst="rect">
             <a:avLst/>
           </a:prstGeom>
-          <a:noFill/>
+          <a:solidFill>
+            <a:schemeClr val="accent1"/>
+          </a:solidFill>
         </p:spPr>
         <p:txBody>
           <a:bodyPr wrap="square" rtlCol="0">
@@ -7332,21 +7334,6 @@
           <a:lstStyle/>
           <a:p>
             <a:r>
-              <a:rPr lang="en-US" sz="1800" dirty="0">
-                <a:latin typeface="Microsoft Sans Serif" panose="020B0604020202020204" pitchFamily="34" charset="0"/>
-                <a:cs typeface="Microsoft Sans Serif" panose="020B0604020202020204" pitchFamily="34" charset="0"/>
-              </a:rPr>
-              <a:t>Prints out</a:t>
-            </a:r>
-          </a:p>
-          <a:p>
-            <a:endParaRPr lang="en-US" sz="1800" dirty="0">
-              <a:latin typeface="Microsoft Sans Serif" panose="020B0604020202020204" pitchFamily="34" charset="0"/>
-              <a:cs typeface="Microsoft Sans Serif" panose="020B0604020202020204" pitchFamily="34" charset="0"/>
-            </a:endParaRPr>
-          </a:p>
-          <a:p>
-            <a:r>
               <a:rPr lang="en-US" sz="1800" dirty="0" err="1">
                 <a:latin typeface="Microsoft Sans Serif" panose="020B0604020202020204" pitchFamily="34" charset="0"/>
                 <a:cs typeface="Microsoft Sans Serif" panose="020B0604020202020204" pitchFamily="34" charset="0"/>
@@ -7367,14 +7354,250 @@
               <a:t>Whitespace removed 5</a:t>
             </a:r>
           </a:p>
-          <a:p>
-            <a:endParaRPr lang="en-US" sz="1800" dirty="0">
-              <a:latin typeface="Microsoft Sans Serif" panose="020B0604020202020204" pitchFamily="34" charset="0"/>
-              <a:cs typeface="Microsoft Sans Serif" panose="020B0604020202020204" pitchFamily="34" charset="0"/>
-            </a:endParaRPr>
-          </a:p>
         </p:txBody>
       </p:sp>
+      <p:sp>
+        <p:nvSpPr>
+          <p:cNvPr id="9" name="Down Arrow 8">
+            <a:extLst>
+              <a:ext uri="{FF2B5EF4-FFF2-40B4-BE49-F238E27FC236}">
+                <a16:creationId xmlns:a16="http://schemas.microsoft.com/office/drawing/2014/main" id="{90B2B175-A650-4148-AAEC-BD1F947FBDB1}"/>
+              </a:ext>
+            </a:extLst>
+          </p:cNvPr>
+          <p:cNvSpPr/>
+          <p:nvPr/>
+        </p:nvSpPr>
+        <p:spPr>
+          <a:xfrm>
+            <a:off x="10769600" y="812800"/>
+            <a:ext cx="463748" cy="650922"/>
+          </a:xfrm>
+          <a:prstGeom prst="downArrow">
+            <a:avLst/>
+          </a:prstGeom>
+          <a:solidFill>
+            <a:schemeClr val="tx2"/>
+          </a:solidFill>
+          <a:ln>
+            <a:noFill/>
+          </a:ln>
+          <a:effectLst/>
+        </p:spPr>
+        <p:style>
+          <a:lnRef idx="1">
+            <a:schemeClr val="accent1"/>
+          </a:lnRef>
+          <a:fillRef idx="3">
+            <a:schemeClr val="accent1"/>
+          </a:fillRef>
+          <a:effectRef idx="2">
+            <a:schemeClr val="accent1"/>
+          </a:effectRef>
+          <a:fontRef idx="minor">
+            <a:schemeClr val="lt1"/>
+          </a:fontRef>
+        </p:style>
+        <p:txBody>
+          <a:bodyPr lIns="274320" tIns="182880" rIns="274320" bIns="182880" rtlCol="0" anchor="ctr"/>
+          <a:lstStyle/>
+          <a:p>
+            <a:pPr algn="ctr"/>
+            <a:r>
+              <a:rPr lang="en-US" dirty="0">
+                <a:latin typeface="Proxima Nova" charset="0"/>
+                <a:ea typeface="Proxima Nova" charset="0"/>
+                <a:cs typeface="Proxima Nova" charset="0"/>
+              </a:rPr>
+              <a:t>2</a:t>
+            </a:r>
+          </a:p>
+        </p:txBody>
+      </p:sp>
+      <p:sp>
+        <p:nvSpPr>
+          <p:cNvPr id="10" name="Down Arrow 9">
+            <a:extLst>
+              <a:ext uri="{FF2B5EF4-FFF2-40B4-BE49-F238E27FC236}">
+                <a16:creationId xmlns:a16="http://schemas.microsoft.com/office/drawing/2014/main" id="{8453D2CE-BE14-884A-8987-8C9C14345849}"/>
+              </a:ext>
+            </a:extLst>
+          </p:cNvPr>
+          <p:cNvSpPr/>
+          <p:nvPr/>
+        </p:nvSpPr>
+        <p:spPr>
+          <a:xfrm>
+            <a:off x="11615816" y="812800"/>
+            <a:ext cx="463748" cy="650922"/>
+          </a:xfrm>
+          <a:prstGeom prst="downArrow">
+            <a:avLst/>
+          </a:prstGeom>
+          <a:solidFill>
+            <a:schemeClr val="tx2"/>
+          </a:solidFill>
+          <a:ln>
+            <a:noFill/>
+          </a:ln>
+          <a:effectLst/>
+        </p:spPr>
+        <p:style>
+          <a:lnRef idx="1">
+            <a:schemeClr val="accent1"/>
+          </a:lnRef>
+          <a:fillRef idx="3">
+            <a:schemeClr val="accent1"/>
+          </a:fillRef>
+          <a:effectRef idx="2">
+            <a:schemeClr val="accent1"/>
+          </a:effectRef>
+          <a:fontRef idx="minor">
+            <a:schemeClr val="lt1"/>
+          </a:fontRef>
+        </p:style>
+        <p:txBody>
+          <a:bodyPr lIns="274320" tIns="182880" rIns="274320" bIns="182880" rtlCol="0" anchor="ctr"/>
+          <a:lstStyle/>
+          <a:p>
+            <a:pPr algn="ctr"/>
+            <a:r>
+              <a:rPr lang="en-US" dirty="0">
+                <a:latin typeface="Proxima Nova" charset="0"/>
+                <a:ea typeface="Proxima Nova" charset="0"/>
+                <a:cs typeface="Proxima Nova" charset="0"/>
+              </a:rPr>
+              <a:t>2</a:t>
+            </a:r>
+          </a:p>
+        </p:txBody>
+      </p:sp>
+      <p:cxnSp>
+        <p:nvCxnSpPr>
+          <p:cNvPr id="12" name="Straight Connector 11">
+            <a:extLst>
+              <a:ext uri="{FF2B5EF4-FFF2-40B4-BE49-F238E27FC236}">
+                <a16:creationId xmlns:a16="http://schemas.microsoft.com/office/drawing/2014/main" id="{88454D15-2B79-8441-BF89-529DE9680A23}"/>
+              </a:ext>
+            </a:extLst>
+          </p:cNvPr>
+          <p:cNvCxnSpPr/>
+          <p:nvPr/>
+        </p:nvCxnSpPr>
+        <p:spPr>
+          <a:xfrm>
+            <a:off x="10769600" y="2870200"/>
+            <a:ext cx="1587500" cy="0"/>
+          </a:xfrm>
+          <a:prstGeom prst="line">
+            <a:avLst/>
+          </a:prstGeom>
+          <a:ln>
+            <a:solidFill>
+              <a:schemeClr val="accent4"/>
+            </a:solidFill>
+          </a:ln>
+        </p:spPr>
+        <p:style>
+          <a:lnRef idx="2">
+            <a:schemeClr val="accent1"/>
+          </a:lnRef>
+          <a:fillRef idx="0">
+            <a:schemeClr val="accent1"/>
+          </a:fillRef>
+          <a:effectRef idx="1">
+            <a:schemeClr val="accent1"/>
+          </a:effectRef>
+          <a:fontRef idx="minor">
+            <a:schemeClr val="tx1"/>
+          </a:fontRef>
+        </p:style>
+      </p:cxnSp>
+      <p:cxnSp>
+        <p:nvCxnSpPr>
+          <p:cNvPr id="13" name="Straight Connector 12">
+            <a:extLst>
+              <a:ext uri="{FF2B5EF4-FFF2-40B4-BE49-F238E27FC236}">
+                <a16:creationId xmlns:a16="http://schemas.microsoft.com/office/drawing/2014/main" id="{D2B7CB8F-EA18-E646-854A-DDDA0B0657FD}"/>
+              </a:ext>
+            </a:extLst>
+          </p:cNvPr>
+          <p:cNvCxnSpPr/>
+          <p:nvPr/>
+        </p:nvCxnSpPr>
+        <p:spPr>
+          <a:xfrm>
+            <a:off x="9550400" y="3505200"/>
+            <a:ext cx="1587500" cy="0"/>
+          </a:xfrm>
+          <a:prstGeom prst="line">
+            <a:avLst/>
+          </a:prstGeom>
+          <a:ln>
+            <a:solidFill>
+              <a:schemeClr val="accent4"/>
+            </a:solidFill>
+          </a:ln>
+        </p:spPr>
+        <p:style>
+          <a:lnRef idx="2">
+            <a:schemeClr val="accent1"/>
+          </a:lnRef>
+          <a:fillRef idx="0">
+            <a:schemeClr val="accent1"/>
+          </a:fillRef>
+          <a:effectRef idx="1">
+            <a:schemeClr val="accent1"/>
+          </a:effectRef>
+          <a:fontRef idx="minor">
+            <a:schemeClr val="tx1"/>
+          </a:fontRef>
+        </p:style>
+      </p:cxnSp>
+      <p:cxnSp>
+        <p:nvCxnSpPr>
+          <p:cNvPr id="15" name="Straight Arrow Connector 14">
+            <a:extLst>
+              <a:ext uri="{FF2B5EF4-FFF2-40B4-BE49-F238E27FC236}">
+                <a16:creationId xmlns:a16="http://schemas.microsoft.com/office/drawing/2014/main" id="{9589A151-978C-B749-8964-4794694E5638}"/>
+              </a:ext>
+            </a:extLst>
+          </p:cNvPr>
+          <p:cNvCxnSpPr>
+            <a:cxnSpLocks/>
+          </p:cNvCxnSpPr>
+          <p:nvPr/>
+        </p:nvCxnSpPr>
+        <p:spPr>
+          <a:xfrm flipH="1">
+            <a:off x="11847690" y="2489200"/>
+            <a:ext cx="852310" cy="0"/>
+          </a:xfrm>
+          <a:prstGeom prst="straightConnector1">
+            <a:avLst/>
+          </a:prstGeom>
+          <a:ln>
+            <a:solidFill>
+              <a:schemeClr val="accent4"/>
+            </a:solidFill>
+            <a:tailEnd type="triangle"/>
+          </a:ln>
+        </p:spPr>
+        <p:style>
+          <a:lnRef idx="2">
+            <a:schemeClr val="accent1"/>
+          </a:lnRef>
+          <a:fillRef idx="0">
+            <a:schemeClr val="accent1"/>
+          </a:fillRef>
+          <a:effectRef idx="1">
+            <a:schemeClr val="accent1"/>
+          </a:effectRef>
+          <a:fontRef idx="minor">
+            <a:schemeClr val="tx1"/>
+          </a:fontRef>
+        </p:style>
+      </p:cxnSp>
     </p:spTree>
     <p:extLst>
       <p:ext uri="{BB962C8B-B14F-4D97-AF65-F5344CB8AC3E}">
@@ -7431,7 +7654,7 @@
                                           </p:stCondLst>
                                         </p:cTn>
                                         <p:tgtEl>
-                                          <p:spTgt spid="6"/>
+                                          <p:spTgt spid="9"/>
                                         </p:tgtEl>
                                         <p:attrNameLst>
                                           <p:attrName>style.visibility</p:attrName>
@@ -7445,7 +7668,42 @@
                                       <p:cBhvr>
                                         <p:cTn id="7" dur="500"/>
                                         <p:tgtEl>
-                                          <p:spTgt spid="6"/>
+                                          <p:spTgt spid="9"/>
+                                        </p:tgtEl>
+                                      </p:cBhvr>
+                                    </p:animEffect>
+                                  </p:childTnLst>
+                                </p:cTn>
+                              </p:par>
+                              <p:par>
+                                <p:cTn id="8" presetID="9" presetClass="entr" presetSubtype="0" fill="hold" grpId="0" nodeType="withEffect">
+                                  <p:stCondLst>
+                                    <p:cond delay="0"/>
+                                  </p:stCondLst>
+                                  <p:childTnLst>
+                                    <p:set>
+                                      <p:cBhvr>
+                                        <p:cTn id="9" dur="1" fill="hold">
+                                          <p:stCondLst>
+                                            <p:cond delay="0"/>
+                                          </p:stCondLst>
+                                        </p:cTn>
+                                        <p:tgtEl>
+                                          <p:spTgt spid="10"/>
+                                        </p:tgtEl>
+                                        <p:attrNameLst>
+                                          <p:attrName>style.visibility</p:attrName>
+                                        </p:attrNameLst>
+                                      </p:cBhvr>
+                                      <p:to>
+                                        <p:strVal val="visible"/>
+                                      </p:to>
+                                    </p:set>
+                                    <p:animEffect transition="in" filter="dissolve">
+                                      <p:cBhvr>
+                                        <p:cTn id="10" dur="500"/>
+                                        <p:tgtEl>
+                                          <p:spTgt spid="10"/>
                                         </p:tgtEl>
                                       </p:cBhvr>
                                     </p:animEffect>
@@ -7459,26 +7717,323 @@
                     </p:cTn>
                   </p:par>
                   <p:par>
-                    <p:cTn id="8" fill="hold">
+                    <p:cTn id="11" fill="hold">
                       <p:stCondLst>
                         <p:cond delay="indefinite"/>
                       </p:stCondLst>
                       <p:childTnLst>
                         <p:par>
-                          <p:cTn id="9" fill="hold">
+                          <p:cTn id="12" fill="hold">
                             <p:stCondLst>
                               <p:cond delay="0"/>
                             </p:stCondLst>
                             <p:childTnLst>
                               <p:par>
-                                <p:cTn id="10" presetID="9" presetClass="entr" presetSubtype="0" fill="hold" grpId="0" nodeType="clickEffect">
+                                <p:cTn id="13" presetID="53" presetClass="entr" presetSubtype="16" fill="hold" nodeType="clickEffect">
                                   <p:stCondLst>
                                     <p:cond delay="0"/>
                                   </p:stCondLst>
                                   <p:childTnLst>
                                     <p:set>
                                       <p:cBhvr>
-                                        <p:cTn id="11" dur="1" fill="hold">
+                                        <p:cTn id="14" dur="1" fill="hold">
+                                          <p:stCondLst>
+                                            <p:cond delay="0"/>
+                                          </p:stCondLst>
+                                        </p:cTn>
+                                        <p:tgtEl>
+                                          <p:spTgt spid="15"/>
+                                        </p:tgtEl>
+                                        <p:attrNameLst>
+                                          <p:attrName>style.visibility</p:attrName>
+                                        </p:attrNameLst>
+                                      </p:cBhvr>
+                                      <p:to>
+                                        <p:strVal val="visible"/>
+                                      </p:to>
+                                    </p:set>
+                                    <p:anim calcmode="lin" valueType="num">
+                                      <p:cBhvr>
+                                        <p:cTn id="15" dur="500" fill="hold"/>
+                                        <p:tgtEl>
+                                          <p:spTgt spid="15"/>
+                                        </p:tgtEl>
+                                        <p:attrNameLst>
+                                          <p:attrName>ppt_w</p:attrName>
+                                        </p:attrNameLst>
+                                      </p:cBhvr>
+                                      <p:tavLst>
+                                        <p:tav tm="0">
+                                          <p:val>
+                                            <p:fltVal val="0"/>
+                                          </p:val>
+                                        </p:tav>
+                                        <p:tav tm="100000">
+                                          <p:val>
+                                            <p:strVal val="#ppt_w"/>
+                                          </p:val>
+                                        </p:tav>
+                                      </p:tavLst>
+                                    </p:anim>
+                                    <p:anim calcmode="lin" valueType="num">
+                                      <p:cBhvr>
+                                        <p:cTn id="16" dur="500" fill="hold"/>
+                                        <p:tgtEl>
+                                          <p:spTgt spid="15"/>
+                                        </p:tgtEl>
+                                        <p:attrNameLst>
+                                          <p:attrName>ppt_h</p:attrName>
+                                        </p:attrNameLst>
+                                      </p:cBhvr>
+                                      <p:tavLst>
+                                        <p:tav tm="0">
+                                          <p:val>
+                                            <p:fltVal val="0"/>
+                                          </p:val>
+                                        </p:tav>
+                                        <p:tav tm="100000">
+                                          <p:val>
+                                            <p:strVal val="#ppt_h"/>
+                                          </p:val>
+                                        </p:tav>
+                                      </p:tavLst>
+                                    </p:anim>
+                                    <p:animEffect transition="in" filter="fade">
+                                      <p:cBhvr>
+                                        <p:cTn id="17" dur="500"/>
+                                        <p:tgtEl>
+                                          <p:spTgt spid="15"/>
+                                        </p:tgtEl>
+                                      </p:cBhvr>
+                                    </p:animEffect>
+                                  </p:childTnLst>
+                                </p:cTn>
+                              </p:par>
+                            </p:childTnLst>
+                          </p:cTn>
+                        </p:par>
+                      </p:childTnLst>
+                    </p:cTn>
+                  </p:par>
+                  <p:par>
+                    <p:cTn id="18" fill="hold">
+                      <p:stCondLst>
+                        <p:cond delay="indefinite"/>
+                      </p:stCondLst>
+                      <p:childTnLst>
+                        <p:par>
+                          <p:cTn id="19" fill="hold">
+                            <p:stCondLst>
+                              <p:cond delay="0"/>
+                            </p:stCondLst>
+                            <p:childTnLst>
+                              <p:par>
+                                <p:cTn id="20" presetID="53" presetClass="entr" presetSubtype="16" fill="hold" nodeType="clickEffect">
+                                  <p:stCondLst>
+                                    <p:cond delay="0"/>
+                                  </p:stCondLst>
+                                  <p:childTnLst>
+                                    <p:set>
+                                      <p:cBhvr>
+                                        <p:cTn id="21" dur="1" fill="hold">
+                                          <p:stCondLst>
+                                            <p:cond delay="0"/>
+                                          </p:stCondLst>
+                                        </p:cTn>
+                                        <p:tgtEl>
+                                          <p:spTgt spid="12"/>
+                                        </p:tgtEl>
+                                        <p:attrNameLst>
+                                          <p:attrName>style.visibility</p:attrName>
+                                        </p:attrNameLst>
+                                      </p:cBhvr>
+                                      <p:to>
+                                        <p:strVal val="visible"/>
+                                      </p:to>
+                                    </p:set>
+                                    <p:anim calcmode="lin" valueType="num">
+                                      <p:cBhvr>
+                                        <p:cTn id="22" dur="500" fill="hold"/>
+                                        <p:tgtEl>
+                                          <p:spTgt spid="12"/>
+                                        </p:tgtEl>
+                                        <p:attrNameLst>
+                                          <p:attrName>ppt_w</p:attrName>
+                                        </p:attrNameLst>
+                                      </p:cBhvr>
+                                      <p:tavLst>
+                                        <p:tav tm="0">
+                                          <p:val>
+                                            <p:fltVal val="0"/>
+                                          </p:val>
+                                        </p:tav>
+                                        <p:tav tm="100000">
+                                          <p:val>
+                                            <p:strVal val="#ppt_w"/>
+                                          </p:val>
+                                        </p:tav>
+                                      </p:tavLst>
+                                    </p:anim>
+                                    <p:anim calcmode="lin" valueType="num">
+                                      <p:cBhvr>
+                                        <p:cTn id="23" dur="500" fill="hold"/>
+                                        <p:tgtEl>
+                                          <p:spTgt spid="12"/>
+                                        </p:tgtEl>
+                                        <p:attrNameLst>
+                                          <p:attrName>ppt_h</p:attrName>
+                                        </p:attrNameLst>
+                                      </p:cBhvr>
+                                      <p:tavLst>
+                                        <p:tav tm="0">
+                                          <p:val>
+                                            <p:fltVal val="0"/>
+                                          </p:val>
+                                        </p:tav>
+                                        <p:tav tm="100000">
+                                          <p:val>
+                                            <p:strVal val="#ppt_h"/>
+                                          </p:val>
+                                        </p:tav>
+                                      </p:tavLst>
+                                    </p:anim>
+                                    <p:animEffect transition="in" filter="fade">
+                                      <p:cBhvr>
+                                        <p:cTn id="24" dur="500"/>
+                                        <p:tgtEl>
+                                          <p:spTgt spid="12"/>
+                                        </p:tgtEl>
+                                      </p:cBhvr>
+                                    </p:animEffect>
+                                  </p:childTnLst>
+                                </p:cTn>
+                              </p:par>
+                            </p:childTnLst>
+                          </p:cTn>
+                        </p:par>
+                      </p:childTnLst>
+                    </p:cTn>
+                  </p:par>
+                  <p:par>
+                    <p:cTn id="25" fill="hold">
+                      <p:stCondLst>
+                        <p:cond delay="indefinite"/>
+                      </p:stCondLst>
+                      <p:childTnLst>
+                        <p:par>
+                          <p:cTn id="26" fill="hold">
+                            <p:stCondLst>
+                              <p:cond delay="0"/>
+                            </p:stCondLst>
+                            <p:childTnLst>
+                              <p:par>
+                                <p:cTn id="27" presetID="53" presetClass="entr" presetSubtype="16" fill="hold" nodeType="clickEffect">
+                                  <p:stCondLst>
+                                    <p:cond delay="0"/>
+                                  </p:stCondLst>
+                                  <p:childTnLst>
+                                    <p:set>
+                                      <p:cBhvr>
+                                        <p:cTn id="28" dur="1" fill="hold">
+                                          <p:stCondLst>
+                                            <p:cond delay="0"/>
+                                          </p:stCondLst>
+                                        </p:cTn>
+                                        <p:tgtEl>
+                                          <p:spTgt spid="13"/>
+                                        </p:tgtEl>
+                                        <p:attrNameLst>
+                                          <p:attrName>style.visibility</p:attrName>
+                                        </p:attrNameLst>
+                                      </p:cBhvr>
+                                      <p:to>
+                                        <p:strVal val="visible"/>
+                                      </p:to>
+                                    </p:set>
+                                    <p:anim calcmode="lin" valueType="num">
+                                      <p:cBhvr>
+                                        <p:cTn id="29" dur="500" fill="hold"/>
+                                        <p:tgtEl>
+                                          <p:spTgt spid="13"/>
+                                        </p:tgtEl>
+                                        <p:attrNameLst>
+                                          <p:attrName>ppt_w</p:attrName>
+                                        </p:attrNameLst>
+                                      </p:cBhvr>
+                                      <p:tavLst>
+                                        <p:tav tm="0">
+                                          <p:val>
+                                            <p:fltVal val="0"/>
+                                          </p:val>
+                                        </p:tav>
+                                        <p:tav tm="100000">
+                                          <p:val>
+                                            <p:strVal val="#ppt_w"/>
+                                          </p:val>
+                                        </p:tav>
+                                      </p:tavLst>
+                                    </p:anim>
+                                    <p:anim calcmode="lin" valueType="num">
+                                      <p:cBhvr>
+                                        <p:cTn id="30" dur="500" fill="hold"/>
+                                        <p:tgtEl>
+                                          <p:spTgt spid="13"/>
+                                        </p:tgtEl>
+                                        <p:attrNameLst>
+                                          <p:attrName>ppt_h</p:attrName>
+                                        </p:attrNameLst>
+                                      </p:cBhvr>
+                                      <p:tavLst>
+                                        <p:tav tm="0">
+                                          <p:val>
+                                            <p:fltVal val="0"/>
+                                          </p:val>
+                                        </p:tav>
+                                        <p:tav tm="100000">
+                                          <p:val>
+                                            <p:strVal val="#ppt_h"/>
+                                          </p:val>
+                                        </p:tav>
+                                      </p:tavLst>
+                                    </p:anim>
+                                    <p:animEffect transition="in" filter="fade">
+                                      <p:cBhvr>
+                                        <p:cTn id="31" dur="500"/>
+                                        <p:tgtEl>
+                                          <p:spTgt spid="13"/>
+                                        </p:tgtEl>
+                                      </p:cBhvr>
+                                    </p:animEffect>
+                                  </p:childTnLst>
+                                </p:cTn>
+                              </p:par>
+                            </p:childTnLst>
+                          </p:cTn>
+                        </p:par>
+                      </p:childTnLst>
+                    </p:cTn>
+                  </p:par>
+                  <p:par>
+                    <p:cTn id="32" fill="hold">
+                      <p:stCondLst>
+                        <p:cond delay="indefinite"/>
+                      </p:stCondLst>
+                      <p:childTnLst>
+                        <p:par>
+                          <p:cTn id="33" fill="hold">
+                            <p:stCondLst>
+                              <p:cond delay="0"/>
+                            </p:stCondLst>
+                            <p:childTnLst>
+                              <p:par>
+                                <p:cTn id="34" presetID="9" presetClass="entr" presetSubtype="0" fill="hold" grpId="0" nodeType="clickEffect">
+                                  <p:stCondLst>
+                                    <p:cond delay="0"/>
+                                  </p:stCondLst>
+                                  <p:childTnLst>
+                                    <p:set>
+                                      <p:cBhvr>
+                                        <p:cTn id="35" dur="1" fill="hold">
                                           <p:stCondLst>
                                             <p:cond delay="0"/>
                                           </p:stCondLst>
@@ -7496,7 +8051,7 @@
                                     </p:set>
                                     <p:animEffect transition="in" filter="dissolve">
                                       <p:cBhvr>
-                                        <p:cTn id="12" dur="500"/>
+                                        <p:cTn id="36" dur="500"/>
                                         <p:tgtEl>
                                           <p:spTgt spid="7"/>
                                         </p:tgtEl>
@@ -7533,8 +8088,9 @@
       </p:par>
     </p:tnLst>
     <p:bldLst>
-      <p:bldP spid="6" grpId="0" animBg="1"/>
-      <p:bldP spid="7" grpId="0"/>
+      <p:bldP spid="7" grpId="0" animBg="1"/>
+      <p:bldP spid="9" grpId="0" animBg="1"/>
+      <p:bldP spid="10" grpId="0" animBg="1"/>
     </p:bldLst>
   </p:timing>
 </p:sld>
@@ -8362,7 +8918,7 @@
         </p:nvSpPr>
         <p:spPr>
           <a:xfrm>
-            <a:off x="6420068" y="2012637"/>
+            <a:off x="6419326" y="1771451"/>
             <a:ext cx="6964855" cy="2438488"/>
           </a:xfrm>
         </p:spPr>
@@ -9736,7 +10292,7 @@
         </p:nvSpPr>
         <p:spPr>
           <a:xfrm>
-            <a:off x="6419326" y="4211021"/>
+            <a:off x="6419326" y="3818477"/>
             <a:ext cx="6964855" cy="493340"/>
           </a:xfrm>
           <a:prstGeom prst="rect">
@@ -10215,7 +10771,7 @@
         </p:nvSpPr>
         <p:spPr>
           <a:xfrm>
-            <a:off x="6419326" y="4822629"/>
+            <a:off x="6419326" y="4430085"/>
             <a:ext cx="6964855" cy="493340"/>
           </a:xfrm>
           <a:prstGeom prst="rect">
@@ -10623,7 +11179,7 @@
         </p:nvSpPr>
         <p:spPr>
           <a:xfrm>
-            <a:off x="6419326" y="6044249"/>
+            <a:off x="2451955" y="6518097"/>
             <a:ext cx="5404812" cy="400110"/>
           </a:xfrm>
           <a:prstGeom prst="rect">
@@ -11653,6 +12209,59 @@
                       </p:childTnLst>
                     </p:cTn>
                   </p:par>
+                  <p:par>
+                    <p:cTn id="88" fill="hold">
+                      <p:stCondLst>
+                        <p:cond delay="indefinite"/>
+                      </p:stCondLst>
+                      <p:childTnLst>
+                        <p:par>
+                          <p:cTn id="89" fill="hold">
+                            <p:stCondLst>
+                              <p:cond delay="0"/>
+                            </p:stCondLst>
+                            <p:childTnLst>
+                              <p:par>
+                                <p:cTn id="90" presetID="9" presetClass="entr" presetSubtype="0" fill="hold" grpId="0" nodeType="clickEffect">
+                                  <p:stCondLst>
+                                    <p:cond delay="0"/>
+                                  </p:stCondLst>
+                                  <p:childTnLst>
+                                    <p:set>
+                                      <p:cBhvr>
+                                        <p:cTn id="91" dur="1" fill="hold">
+                                          <p:stCondLst>
+                                            <p:cond delay="0"/>
+                                          </p:stCondLst>
+                                        </p:cTn>
+                                        <p:tgtEl>
+                                          <p:spTgt spid="50"/>
+                                        </p:tgtEl>
+                                        <p:attrNameLst>
+                                          <p:attrName>style.visibility</p:attrName>
+                                        </p:attrNameLst>
+                                      </p:cBhvr>
+                                      <p:to>
+                                        <p:strVal val="visible"/>
+                                      </p:to>
+                                    </p:set>
+                                    <p:animEffect transition="in" filter="dissolve">
+                                      <p:cBhvr>
+                                        <p:cTn id="92" dur="500"/>
+                                        <p:tgtEl>
+                                          <p:spTgt spid="50"/>
+                                        </p:tgtEl>
+                                      </p:cBhvr>
+                                    </p:animEffect>
+                                  </p:childTnLst>
+                                </p:cTn>
+                              </p:par>
+                            </p:childTnLst>
+                          </p:cTn>
+                        </p:par>
+                      </p:childTnLst>
+                    </p:cTn>
+                  </p:par>
                 </p:childTnLst>
               </p:cTn>
               <p:prevCondLst>
@@ -11676,13 +12285,13 @@
     </p:tnLst>
     <p:bldLst>
       <p:bldP spid="35" grpId="0"/>
-      <p:bldP spid="36" grpId="0"/>
+      <p:bldP spid="36" grpId="0" animBg="1"/>
       <p:bldP spid="36" grpId="1" animBg="1"/>
       <p:bldP spid="36" grpId="2" animBg="1"/>
       <p:bldP spid="37" grpId="0" animBg="1"/>
       <p:bldP spid="37" grpId="1" animBg="1"/>
       <p:bldP spid="37" grpId="2" animBg="1"/>
-      <p:bldP spid="38" grpId="0"/>
+      <p:bldP spid="38" grpId="0" animBg="1"/>
       <p:bldP spid="38" grpId="1" animBg="1"/>
       <p:bldP spid="38" grpId="2" animBg="1"/>
       <p:bldP spid="39" grpId="0" animBg="1"/>
@@ -11690,10 +12299,11 @@
       <p:bldP spid="40" grpId="0"/>
       <p:bldP spid="40" grpId="1"/>
       <p:bldP spid="41" grpId="0"/>
-      <p:bldP spid="46" grpId="0"/>
+      <p:bldP spid="46" grpId="0" animBg="1"/>
       <p:bldP spid="49" grpId="0" animBg="1"/>
       <p:bldP spid="47" grpId="0" animBg="1"/>
       <p:bldP spid="48" grpId="0"/>
+      <p:bldP spid="50" grpId="0"/>
     </p:bldLst>
   </p:timing>
 </p:sld>
@@ -11764,7 +12374,7 @@
         <p:spPr>
           <a:xfrm>
             <a:off x="6908800" y="1776682"/>
-            <a:ext cx="6280728" cy="2438488"/>
+            <a:ext cx="6280728" cy="979627"/>
           </a:xfrm>
         </p:spPr>
         <p:txBody>
@@ -11794,54 +12404,6 @@
             </a:r>
           </a:p>
           <a:p>
-            <a:pPr marL="0" indent="0">
-              <a:buNone/>
-            </a:pPr>
-            <a:endParaRPr lang="en-US" dirty="0">
-              <a:latin typeface="Consolas" panose="020B0609020204030204" pitchFamily="49" charset="0"/>
-              <a:cs typeface="Consolas" panose="020B0609020204030204" pitchFamily="49" charset="0"/>
-            </a:endParaRPr>
-          </a:p>
-          <a:p>
-            <a:r>
-              <a:rPr lang="en-US" dirty="0" err="1">
-                <a:latin typeface="Consolas" panose="020B0609020204030204" pitchFamily="49" charset="0"/>
-                <a:cs typeface="Consolas" panose="020B0609020204030204" pitchFamily="49" charset="0"/>
-              </a:rPr>
-              <a:t>palindrome.lastIndexOf</a:t>
-            </a:r>
-            <a:r>
-              <a:rPr lang="en-US" dirty="0">
-                <a:latin typeface="Consolas" panose="020B0609020204030204" pitchFamily="49" charset="0"/>
-                <a:cs typeface="Consolas" panose="020B0609020204030204" pitchFamily="49" charset="0"/>
-              </a:rPr>
-              <a:t>(‘</a:t>
-            </a:r>
-            <a:r>
-              <a:rPr lang="en-US" dirty="0" err="1">
-                <a:latin typeface="Consolas" panose="020B0609020204030204" pitchFamily="49" charset="0"/>
-                <a:cs typeface="Consolas" panose="020B0609020204030204" pitchFamily="49" charset="0"/>
-              </a:rPr>
-              <a:t>i</a:t>
-            </a:r>
-            <a:r>
-              <a:rPr lang="en-US" dirty="0">
-                <a:latin typeface="Consolas" panose="020B0609020204030204" pitchFamily="49" charset="0"/>
-                <a:cs typeface="Consolas" panose="020B0609020204030204" pitchFamily="49" charset="0"/>
-              </a:rPr>
-              <a:t>’); // 9</a:t>
-            </a:r>
-          </a:p>
-          <a:p>
-            <a:pPr marL="0" indent="0">
-              <a:buNone/>
-            </a:pPr>
-            <a:endParaRPr lang="en-US" dirty="0">
-              <a:latin typeface="Consolas" panose="020B0609020204030204" pitchFamily="49" charset="0"/>
-              <a:cs typeface="Consolas" panose="020B0609020204030204" pitchFamily="49" charset="0"/>
-            </a:endParaRPr>
-          </a:p>
-          <a:p>
             <a:r>
               <a:rPr lang="en-US" dirty="0" err="1">
                 <a:latin typeface="Consolas" panose="020B0609020204030204" pitchFamily="49" charset="0"/>
@@ -11854,7 +12416,7 @@
                 <a:latin typeface="Consolas" panose="020B0609020204030204" pitchFamily="49" charset="0"/>
                 <a:cs typeface="Consolas" panose="020B0609020204030204" pitchFamily="49" charset="0"/>
               </a:rPr>
-              <a:t>(‘n’); // 8</a:t>
+              <a:t>(‘n’); </a:t>
             </a:r>
           </a:p>
         </p:txBody>
@@ -13375,7 +13937,7 @@
         </p:nvSpPr>
         <p:spPr>
           <a:xfrm>
-            <a:off x="7386543" y="5653809"/>
+            <a:off x="3195543" y="4680125"/>
             <a:ext cx="5325241" cy="400110"/>
           </a:xfrm>
           <a:prstGeom prst="rect">
@@ -13702,6 +14264,59 @@
                       </p:childTnLst>
                     </p:cTn>
                   </p:par>
+                  <p:par>
+                    <p:cTn id="28" fill="hold">
+                      <p:stCondLst>
+                        <p:cond delay="indefinite"/>
+                      </p:stCondLst>
+                      <p:childTnLst>
+                        <p:par>
+                          <p:cTn id="29" fill="hold">
+                            <p:stCondLst>
+                              <p:cond delay="0"/>
+                            </p:stCondLst>
+                            <p:childTnLst>
+                              <p:par>
+                                <p:cTn id="30" presetID="9" presetClass="entr" presetSubtype="0" fill="hold" grpId="0" nodeType="clickEffect">
+                                  <p:stCondLst>
+                                    <p:cond delay="0"/>
+                                  </p:stCondLst>
+                                  <p:childTnLst>
+                                    <p:set>
+                                      <p:cBhvr>
+                                        <p:cTn id="31" dur="1" fill="hold">
+                                          <p:stCondLst>
+                                            <p:cond delay="0"/>
+                                          </p:stCondLst>
+                                        </p:cTn>
+                                        <p:tgtEl>
+                                          <p:spTgt spid="37"/>
+                                        </p:tgtEl>
+                                        <p:attrNameLst>
+                                          <p:attrName>style.visibility</p:attrName>
+                                        </p:attrNameLst>
+                                      </p:cBhvr>
+                                      <p:to>
+                                        <p:strVal val="visible"/>
+                                      </p:to>
+                                    </p:set>
+                                    <p:animEffect transition="in" filter="dissolve">
+                                      <p:cBhvr>
+                                        <p:cTn id="32" dur="500"/>
+                                        <p:tgtEl>
+                                          <p:spTgt spid="37"/>
+                                        </p:tgtEl>
+                                      </p:cBhvr>
+                                    </p:animEffect>
+                                  </p:childTnLst>
+                                </p:cTn>
+                              </p:par>
+                            </p:childTnLst>
+                          </p:cTn>
+                        </p:par>
+                      </p:childTnLst>
+                    </p:cTn>
+                  </p:par>
                 </p:childTnLst>
               </p:cTn>
               <p:prevCondLst>
@@ -13730,6 +14345,7 @@
       <p:bldP spid="34" grpId="0" animBg="1"/>
       <p:bldP spid="35" grpId="0" animBg="1"/>
       <p:bldP spid="36" grpId="0" animBg="1"/>
+      <p:bldP spid="37" grpId="0"/>
     </p:bldLst>
   </p:timing>
 </p:sld>
@@ -13802,8 +14418,8 @@
         </p:nvSpPr>
         <p:spPr>
           <a:xfrm>
-            <a:off x="6908800" y="1776683"/>
-            <a:ext cx="6280728" cy="3411062"/>
+            <a:off x="7429500" y="1702509"/>
+            <a:ext cx="6280728" cy="2810898"/>
           </a:xfrm>
         </p:spPr>
         <p:txBody>
@@ -13833,15 +14449,6 @@
               <a:rPr lang="en-US" dirty="0"/>
               <a:t> location</a:t>
             </a:r>
-          </a:p>
-          <a:p>
-            <a:pPr marL="0" indent="0">
-              <a:buNone/>
-            </a:pPr>
-            <a:endParaRPr lang="en-US" dirty="0">
-              <a:latin typeface="Consolas" panose="020B0609020204030204" pitchFamily="49" charset="0"/>
-              <a:cs typeface="Consolas" panose="020B0609020204030204" pitchFamily="49" charset="0"/>
-            </a:endParaRPr>
           </a:p>
           <a:p>
             <a:pPr marL="0" indent="0">
@@ -15106,7 +15713,7 @@
         </p:nvSpPr>
         <p:spPr>
           <a:xfrm>
-            <a:off x="6782676" y="4918606"/>
+            <a:off x="2298267" y="4752194"/>
             <a:ext cx="7034924" cy="2324611"/>
           </a:xfrm>
           <a:prstGeom prst="rect">
@@ -15279,6 +15886,9 @@
             </a:lvl9pPr>
           </a:lstStyle>
           <a:p>
+            <a:pPr marL="0" indent="0">
+              <a:buNone/>
+            </a:pPr>
             <a:r>
               <a:rPr lang="en-US" dirty="0"/>
               <a:t>but what if we don’t know the exact location? </a:t>
@@ -16709,7 +17319,7 @@
       </p:par>
     </p:tnLst>
     <p:bldLst>
-      <p:bldP spid="31" grpId="0" build="p"/>
+      <p:bldP spid="31" grpId="0" uiExpand="1" build="p"/>
       <p:bldP spid="32" grpId="0" animBg="1"/>
       <p:bldP spid="33" grpId="0" animBg="1"/>
       <p:bldP spid="34" grpId="0" animBg="1"/>
@@ -16788,7 +17398,7 @@
         </p:nvSpPr>
         <p:spPr>
           <a:xfrm>
-            <a:off x="5533697" y="1298630"/>
+            <a:off x="4125461" y="1269339"/>
             <a:ext cx="7655831" cy="5264262"/>
           </a:xfrm>
         </p:spPr>
@@ -18759,7 +19369,7 @@
         <p:spPr>
           <a:xfrm>
             <a:off x="628075" y="1776683"/>
-            <a:ext cx="12561453" cy="2502095"/>
+            <a:ext cx="12561453" cy="3117135"/>
           </a:xfrm>
         </p:spPr>
         <p:txBody>
@@ -18779,7 +19389,7 @@
             </a:r>
             <a:r>
               <a:rPr lang="en-US" sz="2800" dirty="0"/>
-              <a:t> – finds the index of a character or substring</a:t>
+              <a:t>(char) – finds the index of a character or substring</a:t>
             </a:r>
           </a:p>
           <a:p>
@@ -18790,15 +19400,217 @@
             </a:r>
             <a:r>
               <a:rPr lang="en-US" sz="2800" dirty="0"/>
-              <a:t> - gives you the character at an index</a:t>
+              <a:t>(int) - gives you the character at an index</a:t>
             </a:r>
           </a:p>
           <a:p>
             <a:pPr lvl="1"/>
             <a:r>
               <a:rPr lang="en-US" sz="2800" dirty="0"/>
-              <a:t>substring – gives you a  portion of the string</a:t>
-            </a:r>
+              <a:t>substring(</a:t>
+            </a:r>
+            <a:r>
+              <a:rPr lang="en-US" sz="2800" dirty="0" err="1"/>
+              <a:t>int,int</a:t>
+            </a:r>
+            <a:r>
+              <a:rPr lang="en-US" sz="2800" dirty="0"/>
+              <a:t>) – gives you a  portion of the string</a:t>
+            </a:r>
+          </a:p>
+          <a:p>
+            <a:pPr lvl="1"/>
+            <a:r>
+              <a:rPr lang="en-US" sz="2800" dirty="0"/>
+              <a:t>length() – don’t forget to use it!</a:t>
+            </a:r>
+          </a:p>
+        </p:txBody>
+      </p:sp>
+      <p:sp>
+        <p:nvSpPr>
+          <p:cNvPr id="4" name="Rectangle 3">
+            <a:extLst>
+              <a:ext uri="{FF2B5EF4-FFF2-40B4-BE49-F238E27FC236}">
+                <a16:creationId xmlns:a16="http://schemas.microsoft.com/office/drawing/2014/main" id="{95DC637E-12B4-584C-8EDE-84FFD545EE73}"/>
+              </a:ext>
+            </a:extLst>
+          </p:cNvPr>
+          <p:cNvSpPr/>
+          <p:nvPr/>
+        </p:nvSpPr>
+        <p:spPr>
+          <a:xfrm>
+            <a:off x="419100" y="6248400"/>
+            <a:ext cx="5118100" cy="889000"/>
+          </a:xfrm>
+          <a:prstGeom prst="rect">
+            <a:avLst/>
+          </a:prstGeom>
+          <a:solidFill>
+            <a:schemeClr val="tx2"/>
+          </a:solidFill>
+          <a:ln>
+            <a:noFill/>
+          </a:ln>
+          <a:effectLst/>
+        </p:spPr>
+        <p:style>
+          <a:lnRef idx="1">
+            <a:schemeClr val="accent1"/>
+          </a:lnRef>
+          <a:fillRef idx="3">
+            <a:schemeClr val="accent1"/>
+          </a:fillRef>
+          <a:effectRef idx="2">
+            <a:schemeClr val="accent1"/>
+          </a:effectRef>
+          <a:fontRef idx="minor">
+            <a:schemeClr val="lt1"/>
+          </a:fontRef>
+        </p:style>
+        <p:txBody>
+          <a:bodyPr lIns="274320" tIns="182880" rIns="274320" bIns="182880" rtlCol="0" anchor="ctr"/>
+          <a:lstStyle/>
+          <a:p>
+            <a:r>
+              <a:rPr lang="en-US" dirty="0">
+                <a:latin typeface="Proxima Nova" charset="0"/>
+                <a:ea typeface="Proxima Nova" charset="0"/>
+                <a:cs typeface="Proxima Nova" charset="0"/>
+              </a:rPr>
+              <a:t>Read more about the String Class : </a:t>
+            </a:r>
+            <a:r>
+              <a:rPr lang="en-US" dirty="0">
+                <a:latin typeface="Proxima Nova" charset="0"/>
+                <a:ea typeface="Proxima Nova" charset="0"/>
+                <a:cs typeface="Proxima Nova" charset="0"/>
+                <a:hlinkClick r:id="rId2"/>
+              </a:rPr>
+              <a:t>Here</a:t>
+            </a:r>
+            <a:br>
+              <a:rPr lang="en-US" dirty="0">
+                <a:latin typeface="Proxima Nova" charset="0"/>
+                <a:ea typeface="Proxima Nova" charset="0"/>
+                <a:cs typeface="Proxima Nova" charset="0"/>
+              </a:rPr>
+            </a:br>
+            <a:r>
+              <a:rPr lang="en-US" dirty="0">
+                <a:latin typeface="Proxima Nova" charset="0"/>
+                <a:ea typeface="Proxima Nova" charset="0"/>
+                <a:cs typeface="Proxima Nova" charset="0"/>
+              </a:rPr>
+              <a:t>Read more about the Character Class : </a:t>
+            </a:r>
+            <a:r>
+              <a:rPr lang="en-US" dirty="0">
+                <a:latin typeface="Proxima Nova" charset="0"/>
+                <a:ea typeface="Proxima Nova" charset="0"/>
+                <a:cs typeface="Proxima Nova" charset="0"/>
+                <a:hlinkClick r:id="rId3"/>
+              </a:rPr>
+              <a:t>Here</a:t>
+            </a:r>
+            <a:endParaRPr lang="en-US" dirty="0">
+              <a:latin typeface="Proxima Nova" charset="0"/>
+              <a:ea typeface="Proxima Nova" charset="0"/>
+              <a:cs typeface="Proxima Nova" charset="0"/>
+            </a:endParaRPr>
+          </a:p>
+        </p:txBody>
+      </p:sp>
+      <p:sp>
+        <p:nvSpPr>
+          <p:cNvPr id="5" name="TextBox 4">
+            <a:extLst>
+              <a:ext uri="{FF2B5EF4-FFF2-40B4-BE49-F238E27FC236}">
+                <a16:creationId xmlns:a16="http://schemas.microsoft.com/office/drawing/2014/main" id="{569F2272-3E70-1042-97AE-028C2CE64242}"/>
+              </a:ext>
+            </a:extLst>
+          </p:cNvPr>
+          <p:cNvSpPr txBox="1"/>
+          <p:nvPr/>
+        </p:nvSpPr>
+        <p:spPr>
+          <a:xfrm>
+            <a:off x="419100" y="5848290"/>
+            <a:ext cx="2340705" cy="400110"/>
+          </a:xfrm>
+          <a:prstGeom prst="rect">
+            <a:avLst/>
+          </a:prstGeom>
+          <a:noFill/>
+        </p:spPr>
+        <p:txBody>
+          <a:bodyPr wrap="none" rtlCol="0">
+            <a:spAutoFit/>
+          </a:bodyPr>
+          <a:lstStyle/>
+          <a:p>
+            <a:r>
+              <a:rPr lang="en-US" dirty="0"/>
+              <a:t>Additional Reading</a:t>
+            </a:r>
+          </a:p>
+        </p:txBody>
+      </p:sp>
+      <p:sp>
+        <p:nvSpPr>
+          <p:cNvPr id="6" name="TextBox 5">
+            <a:extLst>
+              <a:ext uri="{FF2B5EF4-FFF2-40B4-BE49-F238E27FC236}">
+                <a16:creationId xmlns:a16="http://schemas.microsoft.com/office/drawing/2014/main" id="{0FDD2E09-034D-EC46-BBA5-790122A90B75}"/>
+              </a:ext>
+            </a:extLst>
+          </p:cNvPr>
+          <p:cNvSpPr txBox="1"/>
+          <p:nvPr/>
+        </p:nvSpPr>
+        <p:spPr>
+          <a:xfrm>
+            <a:off x="8712200" y="117506"/>
+            <a:ext cx="4978400" cy="1015663"/>
+          </a:xfrm>
+          <a:prstGeom prst="rect">
+            <a:avLst/>
+          </a:prstGeom>
+          <a:solidFill>
+            <a:schemeClr val="bg2"/>
+          </a:solidFill>
+        </p:spPr>
+        <p:txBody>
+          <a:bodyPr wrap="square" rtlCol="0">
+            <a:spAutoFit/>
+          </a:bodyPr>
+          <a:lstStyle/>
+          <a:p>
+            <a:r>
+              <a:rPr lang="en-US" dirty="0"/>
+              <a:t>Natural Language Processing is about understanding language, Strings express language – Learn more about </a:t>
+            </a:r>
+            <a:r>
+              <a:rPr lang="en-US" dirty="0">
+                <a:solidFill>
+                  <a:schemeClr val="accent4"/>
+                </a:solidFill>
+                <a:hlinkClick r:id="rId4">
+                  <a:extLst>
+                    <a:ext uri="{A12FA001-AC4F-418D-AE19-62706E023703}">
+                      <ahyp:hlinkClr xmlns:ahyp="http://schemas.microsoft.com/office/drawing/2018/hyperlinkcolor" val="tx"/>
+                    </a:ext>
+                  </a:extLst>
+                </a:hlinkClick>
+              </a:rPr>
+              <a:t>NLP</a:t>
+            </a:r>
+            <a:endParaRPr lang="en-US" dirty="0">
+              <a:solidFill>
+                <a:schemeClr val="accent4"/>
+              </a:solidFill>
+            </a:endParaRPr>
           </a:p>
         </p:txBody>
       </p:sp>

--- a/slides/Online/2020/09 - String Manipulation.pptx
+++ b/slides/Online/2020/09 - String Manipulation.pptx
@@ -221,7 +221,7 @@
           <a:p>
             <a:fld id="{4D7E51A5-B478-1E40-8CBB-0DAA8831E99D}" type="datetimeFigureOut">
               <a:rPr lang="en-US" smtClean="0"/>
-              <a:t>4/10/20</a:t>
+              <a:t>4/11/20</a:t>
             </a:fld>
             <a:endParaRPr lang="en-US"/>
           </a:p>
@@ -386,7 +386,7 @@
           <a:p>
             <a:fld id="{D0ED587F-861E-6740-9643-E3DDAE89B8D6}" type="datetimeFigureOut">
               <a:rPr lang="en-US" smtClean="0"/>
-              <a:t>4/10/20</a:t>
+              <a:t>4/11/20</a:t>
             </a:fld>
             <a:endParaRPr lang="en-US"/>
           </a:p>
@@ -651,6 +651,174 @@
     </a:lvl9pPr>
   </p:notesStyle>
 </p:notesMaster>
+</file>
+
+<file path=ppt/notesSlides/notesSlide1.xml><?xml version="1.0" encoding="utf-8"?>
+<p:notes xmlns:a="http://schemas.openxmlformats.org/drawingml/2006/main" xmlns:r="http://schemas.openxmlformats.org/officeDocument/2006/relationships" xmlns:p="http://schemas.openxmlformats.org/presentationml/2006/main">
+  <p:cSld>
+    <p:spTree>
+      <p:nvGrpSpPr>
+        <p:cNvPr id="1" name=""/>
+        <p:cNvGrpSpPr/>
+        <p:nvPr/>
+      </p:nvGrpSpPr>
+      <p:grpSpPr>
+        <a:xfrm>
+          <a:off x="0" y="0"/>
+          <a:ext cx="0" cy="0"/>
+          <a:chOff x="0" y="0"/>
+          <a:chExt cx="0" cy="0"/>
+        </a:xfrm>
+      </p:grpSpPr>
+      <p:sp>
+        <p:nvSpPr>
+          <p:cNvPr id="2" name="Slide Image Placeholder 1"/>
+          <p:cNvSpPr>
+            <a:spLocks noGrp="1" noRot="1" noChangeAspect="1"/>
+          </p:cNvSpPr>
+          <p:nvPr>
+            <p:ph type="sldImg"/>
+          </p:nvPr>
+        </p:nvSpPr>
+        <p:spPr/>
+      </p:sp>
+      <p:sp>
+        <p:nvSpPr>
+          <p:cNvPr id="3" name="Notes Placeholder 2"/>
+          <p:cNvSpPr>
+            <a:spLocks noGrp="1"/>
+          </p:cNvSpPr>
+          <p:nvPr>
+            <p:ph type="body" idx="1"/>
+          </p:nvPr>
+        </p:nvSpPr>
+        <p:spPr/>
+        <p:txBody>
+          <a:bodyPr/>
+          <a:lstStyle/>
+          <a:p>
+            <a:endParaRPr lang="en-US" dirty="0"/>
+          </a:p>
+        </p:txBody>
+      </p:sp>
+      <p:sp>
+        <p:nvSpPr>
+          <p:cNvPr id="4" name="Slide Number Placeholder 3"/>
+          <p:cNvSpPr>
+            <a:spLocks noGrp="1"/>
+          </p:cNvSpPr>
+          <p:nvPr>
+            <p:ph type="sldNum" sz="quarter" idx="5"/>
+          </p:nvPr>
+        </p:nvSpPr>
+        <p:spPr/>
+        <p:txBody>
+          <a:bodyPr/>
+          <a:lstStyle/>
+          <a:p>
+            <a:fld id="{1A032F50-0B60-B34B-8422-4E195A5AE2C1}" type="slidenum">
+              <a:rPr lang="en-US" smtClean="0"/>
+              <a:t>1</a:t>
+            </a:fld>
+            <a:endParaRPr lang="en-US"/>
+          </a:p>
+        </p:txBody>
+      </p:sp>
+    </p:spTree>
+    <p:extLst>
+      <p:ext uri="{BB962C8B-B14F-4D97-AF65-F5344CB8AC3E}">
+        <p14:creationId xmlns:p14="http://schemas.microsoft.com/office/powerpoint/2010/main" val="3205825357"/>
+      </p:ext>
+    </p:extLst>
+  </p:cSld>
+  <p:clrMapOvr>
+    <a:masterClrMapping/>
+  </p:clrMapOvr>
+</p:notes>
+</file>
+
+<file path=ppt/notesSlides/notesSlide2.xml><?xml version="1.0" encoding="utf-8"?>
+<p:notes xmlns:a="http://schemas.openxmlformats.org/drawingml/2006/main" xmlns:r="http://schemas.openxmlformats.org/officeDocument/2006/relationships" xmlns:p="http://schemas.openxmlformats.org/presentationml/2006/main">
+  <p:cSld>
+    <p:spTree>
+      <p:nvGrpSpPr>
+        <p:cNvPr id="1" name=""/>
+        <p:cNvGrpSpPr/>
+        <p:nvPr/>
+      </p:nvGrpSpPr>
+      <p:grpSpPr>
+        <a:xfrm>
+          <a:off x="0" y="0"/>
+          <a:ext cx="0" cy="0"/>
+          <a:chOff x="0" y="0"/>
+          <a:chExt cx="0" cy="0"/>
+        </a:xfrm>
+      </p:grpSpPr>
+      <p:sp>
+        <p:nvSpPr>
+          <p:cNvPr id="2" name="Slide Image Placeholder 1"/>
+          <p:cNvSpPr>
+            <a:spLocks noGrp="1" noRot="1" noChangeAspect="1"/>
+          </p:cNvSpPr>
+          <p:nvPr>
+            <p:ph type="sldImg"/>
+          </p:nvPr>
+        </p:nvSpPr>
+        <p:spPr/>
+      </p:sp>
+      <p:sp>
+        <p:nvSpPr>
+          <p:cNvPr id="3" name="Notes Placeholder 2"/>
+          <p:cNvSpPr>
+            <a:spLocks noGrp="1"/>
+          </p:cNvSpPr>
+          <p:nvPr>
+            <p:ph type="body" idx="1"/>
+          </p:nvPr>
+        </p:nvSpPr>
+        <p:spPr/>
+        <p:txBody>
+          <a:bodyPr/>
+          <a:lstStyle/>
+          <a:p>
+            <a:endParaRPr lang="en-US" dirty="0"/>
+          </a:p>
+        </p:txBody>
+      </p:sp>
+      <p:sp>
+        <p:nvSpPr>
+          <p:cNvPr id="4" name="Slide Number Placeholder 3"/>
+          <p:cNvSpPr>
+            <a:spLocks noGrp="1"/>
+          </p:cNvSpPr>
+          <p:nvPr>
+            <p:ph type="sldNum" sz="quarter" idx="5"/>
+          </p:nvPr>
+        </p:nvSpPr>
+        <p:spPr/>
+        <p:txBody>
+          <a:bodyPr/>
+          <a:lstStyle/>
+          <a:p>
+            <a:fld id="{1A032F50-0B60-B34B-8422-4E195A5AE2C1}" type="slidenum">
+              <a:rPr lang="en-US" smtClean="0"/>
+              <a:t>2</a:t>
+            </a:fld>
+            <a:endParaRPr lang="en-US"/>
+          </a:p>
+        </p:txBody>
+      </p:sp>
+    </p:spTree>
+    <p:extLst>
+      <p:ext uri="{BB962C8B-B14F-4D97-AF65-F5344CB8AC3E}">
+        <p14:creationId xmlns:p14="http://schemas.microsoft.com/office/powerpoint/2010/main" val="2572307300"/>
+      </p:ext>
+    </p:extLst>
+  </p:cSld>
+  <p:clrMapOvr>
+    <a:masterClrMapping/>
+  </p:clrMapOvr>
+</p:notes>
 </file>
 
 <file path=ppt/slideLayouts/slideLayout1.xml><?xml version="1.0" encoding="utf-8"?>
@@ -7261,7 +7429,7 @@
                 <a:latin typeface="Consolas" panose="020B0609020204030204" pitchFamily="49" charset="0"/>
                 <a:cs typeface="Consolas" panose="020B0609020204030204" pitchFamily="49" charset="0"/>
               </a:rPr>
-              <a:t>tmp</a:t>
+              <a:t>nospace</a:t>
             </a:r>
             <a:r>
               <a:rPr lang="en-US" sz="1400" dirty="0">
